--- a/Architecture.pptx
+++ b/Architecture.pptx
@@ -120,7 +120,7 @@
   <pc:docChgLst>
     <pc:chgData name=" " userId="70a91d7c-552d-4ba4-843a-f2e0c9434182" providerId="ADAL" clId="{231D8092-3FB3-42A8-9327-0E3893C0A85B}"/>
     <pc:docChg chg="undo custSel addSld modSld">
-      <pc:chgData name=" " userId="70a91d7c-552d-4ba4-843a-f2e0c9434182" providerId="ADAL" clId="{231D8092-3FB3-42A8-9327-0E3893C0A85B}" dt="2019-12-09T09:07:52.352" v="702" actId="14100"/>
+      <pc:chgData name=" " userId="70a91d7c-552d-4ba4-843a-f2e0c9434182" providerId="ADAL" clId="{231D8092-3FB3-42A8-9327-0E3893C0A85B}" dt="2019-12-19T13:50:09.451" v="708" actId="1076"/>
       <pc:docMkLst>
         <pc:docMk/>
       </pc:docMkLst>
@@ -971,13 +971,13 @@
         </pc:picChg>
       </pc:sldChg>
       <pc:sldChg chg="addSp modSp add">
-        <pc:chgData name=" " userId="70a91d7c-552d-4ba4-843a-f2e0c9434182" providerId="ADAL" clId="{231D8092-3FB3-42A8-9327-0E3893C0A85B}" dt="2019-12-09T07:44:53.289" v="548" actId="1076"/>
+        <pc:chgData name=" " userId="70a91d7c-552d-4ba4-843a-f2e0c9434182" providerId="ADAL" clId="{231D8092-3FB3-42A8-9327-0E3893C0A85B}" dt="2019-12-19T13:50:09.451" v="708" actId="1076"/>
         <pc:sldMkLst>
           <pc:docMk/>
           <pc:sldMk cId="1758009646" sldId="259"/>
         </pc:sldMkLst>
         <pc:spChg chg="mod">
-          <ac:chgData name=" " userId="70a91d7c-552d-4ba4-843a-f2e0c9434182" providerId="ADAL" clId="{231D8092-3FB3-42A8-9327-0E3893C0A85B}" dt="2019-12-09T07:38:03.132" v="501" actId="14100"/>
+          <ac:chgData name=" " userId="70a91d7c-552d-4ba4-843a-f2e0c9434182" providerId="ADAL" clId="{231D8092-3FB3-42A8-9327-0E3893C0A85B}" dt="2019-12-19T13:49:56.990" v="706" actId="1076"/>
           <ac:spMkLst>
             <pc:docMk/>
             <pc:sldMk cId="1758009646" sldId="259"/>
@@ -985,7 +985,7 @@
           </ac:spMkLst>
         </pc:spChg>
         <pc:spChg chg="mod">
-          <ac:chgData name=" " userId="70a91d7c-552d-4ba4-843a-f2e0c9434182" providerId="ADAL" clId="{231D8092-3FB3-42A8-9327-0E3893C0A85B}" dt="2019-12-09T07:44:45.497" v="547" actId="1076"/>
+          <ac:chgData name=" " userId="70a91d7c-552d-4ba4-843a-f2e0c9434182" providerId="ADAL" clId="{231D8092-3FB3-42A8-9327-0E3893C0A85B}" dt="2019-12-19T13:50:02.499" v="707" actId="1076"/>
           <ac:spMkLst>
             <pc:docMk/>
             <pc:sldMk cId="1758009646" sldId="259"/>
@@ -993,7 +993,23 @@
           </ac:spMkLst>
         </pc:spChg>
         <pc:spChg chg="mod">
-          <ac:chgData name=" " userId="70a91d7c-552d-4ba4-843a-f2e0c9434182" providerId="ADAL" clId="{231D8092-3FB3-42A8-9327-0E3893C0A85B}" dt="2019-12-09T07:38:13.370" v="505" actId="1076"/>
+          <ac:chgData name=" " userId="70a91d7c-552d-4ba4-843a-f2e0c9434182" providerId="ADAL" clId="{231D8092-3FB3-42A8-9327-0E3893C0A85B}" dt="2019-12-19T13:49:56.990" v="706" actId="1076"/>
+          <ac:spMkLst>
+            <pc:docMk/>
+            <pc:sldMk cId="1758009646" sldId="259"/>
+            <ac:spMk id="10" creationId="{70E18C72-8839-47E3-9852-09FFB13FAA25}"/>
+          </ac:spMkLst>
+        </pc:spChg>
+        <pc:spChg chg="mod">
+          <ac:chgData name=" " userId="70a91d7c-552d-4ba4-843a-f2e0c9434182" providerId="ADAL" clId="{231D8092-3FB3-42A8-9327-0E3893C0A85B}" dt="2019-12-19T13:49:56.990" v="706" actId="1076"/>
+          <ac:spMkLst>
+            <pc:docMk/>
+            <pc:sldMk cId="1758009646" sldId="259"/>
+            <ac:spMk id="11" creationId="{81DA0BE3-0FB0-4159-B2D3-2CB7DEB14214}"/>
+          </ac:spMkLst>
+        </pc:spChg>
+        <pc:spChg chg="mod">
+          <ac:chgData name=" " userId="70a91d7c-552d-4ba4-843a-f2e0c9434182" providerId="ADAL" clId="{231D8092-3FB3-42A8-9327-0E3893C0A85B}" dt="2019-12-19T13:49:56.990" v="706" actId="1076"/>
           <ac:spMkLst>
             <pc:docMk/>
             <pc:sldMk cId="1758009646" sldId="259"/>
@@ -1008,8 +1024,24 @@
             <ac:spMk id="24" creationId="{4985B90D-0493-4667-B18E-9C3E40C1AF9E}"/>
           </ac:spMkLst>
         </pc:spChg>
+        <pc:spChg chg="mod">
+          <ac:chgData name=" " userId="70a91d7c-552d-4ba4-843a-f2e0c9434182" providerId="ADAL" clId="{231D8092-3FB3-42A8-9327-0E3893C0A85B}" dt="2019-12-19T13:49:56.990" v="706" actId="1076"/>
+          <ac:spMkLst>
+            <pc:docMk/>
+            <pc:sldMk cId="1758009646" sldId="259"/>
+            <ac:spMk id="25" creationId="{9F3A059A-2D1A-4859-8868-71EE97916D48}"/>
+          </ac:spMkLst>
+        </pc:spChg>
+        <pc:spChg chg="mod">
+          <ac:chgData name=" " userId="70a91d7c-552d-4ba4-843a-f2e0c9434182" providerId="ADAL" clId="{231D8092-3FB3-42A8-9327-0E3893C0A85B}" dt="2019-12-19T13:49:56.990" v="706" actId="1076"/>
+          <ac:spMkLst>
+            <pc:docMk/>
+            <pc:sldMk cId="1758009646" sldId="259"/>
+            <ac:spMk id="26" creationId="{F4B0A042-A6B2-436B-9393-8F3D12852386}"/>
+          </ac:spMkLst>
+        </pc:spChg>
         <pc:spChg chg="add mod">
-          <ac:chgData name=" " userId="70a91d7c-552d-4ba4-843a-f2e0c9434182" providerId="ADAL" clId="{231D8092-3FB3-42A8-9327-0E3893C0A85B}" dt="2019-12-09T07:44:37.362" v="546" actId="1076"/>
+          <ac:chgData name=" " userId="70a91d7c-552d-4ba4-843a-f2e0c9434182" providerId="ADAL" clId="{231D8092-3FB3-42A8-9327-0E3893C0A85B}" dt="2019-12-19T13:49:56.990" v="706" actId="1076"/>
           <ac:spMkLst>
             <pc:docMk/>
             <pc:sldMk cId="1758009646" sldId="259"/>
@@ -1017,7 +1049,23 @@
           </ac:spMkLst>
         </pc:spChg>
         <pc:spChg chg="mod">
-          <ac:chgData name=" " userId="70a91d7c-552d-4ba4-843a-f2e0c9434182" providerId="ADAL" clId="{231D8092-3FB3-42A8-9327-0E3893C0A85B}" dt="2019-12-09T07:38:08.828" v="503" actId="1076"/>
+          <ac:chgData name=" " userId="70a91d7c-552d-4ba4-843a-f2e0c9434182" providerId="ADAL" clId="{231D8092-3FB3-42A8-9327-0E3893C0A85B}" dt="2019-12-19T13:49:56.990" v="706" actId="1076"/>
+          <ac:spMkLst>
+            <pc:docMk/>
+            <pc:sldMk cId="1758009646" sldId="259"/>
+            <ac:spMk id="31" creationId="{B8562D67-684D-45EF-A71D-0E4550766C1E}"/>
+          </ac:spMkLst>
+        </pc:spChg>
+        <pc:spChg chg="mod">
+          <ac:chgData name=" " userId="70a91d7c-552d-4ba4-843a-f2e0c9434182" providerId="ADAL" clId="{231D8092-3FB3-42A8-9327-0E3893C0A85B}" dt="2019-12-19T13:49:56.990" v="706" actId="1076"/>
+          <ac:spMkLst>
+            <pc:docMk/>
+            <pc:sldMk cId="1758009646" sldId="259"/>
+            <ac:spMk id="32" creationId="{594A8F92-50B1-4127-8E9D-5ACC3BEAC726}"/>
+          </ac:spMkLst>
+        </pc:spChg>
+        <pc:spChg chg="mod">
+          <ac:chgData name=" " userId="70a91d7c-552d-4ba4-843a-f2e0c9434182" providerId="ADAL" clId="{231D8092-3FB3-42A8-9327-0E3893C0A85B}" dt="2019-12-19T13:49:56.990" v="706" actId="1076"/>
           <ac:spMkLst>
             <pc:docMk/>
             <pc:sldMk cId="1758009646" sldId="259"/>
@@ -1033,7 +1081,7 @@
           </ac:spMkLst>
         </pc:spChg>
         <pc:spChg chg="add mod">
-          <ac:chgData name=" " userId="70a91d7c-552d-4ba4-843a-f2e0c9434182" providerId="ADAL" clId="{231D8092-3FB3-42A8-9327-0E3893C0A85B}" dt="2019-12-09T07:38:36.823" v="513" actId="1076"/>
+          <ac:chgData name=" " userId="70a91d7c-552d-4ba4-843a-f2e0c9434182" providerId="ADAL" clId="{231D8092-3FB3-42A8-9327-0E3893C0A85B}" dt="2019-12-19T13:49:56.990" v="706" actId="1076"/>
           <ac:spMkLst>
             <pc:docMk/>
             <pc:sldMk cId="1758009646" sldId="259"/>
@@ -1041,7 +1089,31 @@
           </ac:spMkLst>
         </pc:spChg>
         <pc:spChg chg="mod">
-          <ac:chgData name=" " userId="70a91d7c-552d-4ba4-843a-f2e0c9434182" providerId="ADAL" clId="{231D8092-3FB3-42A8-9327-0E3893C0A85B}" dt="2019-12-09T07:44:53.289" v="548" actId="1076"/>
+          <ac:chgData name=" " userId="70a91d7c-552d-4ba4-843a-f2e0c9434182" providerId="ADAL" clId="{231D8092-3FB3-42A8-9327-0E3893C0A85B}" dt="2019-12-19T13:49:56.990" v="706" actId="1076"/>
+          <ac:spMkLst>
+            <pc:docMk/>
+            <pc:sldMk cId="1758009646" sldId="259"/>
+            <ac:spMk id="54" creationId="{33001A3A-3F5B-4A65-A4F0-E0D16BC56453}"/>
+          </ac:spMkLst>
+        </pc:spChg>
+        <pc:spChg chg="mod">
+          <ac:chgData name=" " userId="70a91d7c-552d-4ba4-843a-f2e0c9434182" providerId="ADAL" clId="{231D8092-3FB3-42A8-9327-0E3893C0A85B}" dt="2019-12-19T13:49:56.990" v="706" actId="1076"/>
+          <ac:spMkLst>
+            <pc:docMk/>
+            <pc:sldMk cId="1758009646" sldId="259"/>
+            <ac:spMk id="55" creationId="{C83C63DE-1770-4FDB-988C-E2973F473A73}"/>
+          </ac:spMkLst>
+        </pc:spChg>
+        <pc:spChg chg="mod">
+          <ac:chgData name=" " userId="70a91d7c-552d-4ba4-843a-f2e0c9434182" providerId="ADAL" clId="{231D8092-3FB3-42A8-9327-0E3893C0A85B}" dt="2019-12-19T13:49:56.990" v="706" actId="1076"/>
+          <ac:spMkLst>
+            <pc:docMk/>
+            <pc:sldMk cId="1758009646" sldId="259"/>
+            <ac:spMk id="61" creationId="{1CA183CB-8E41-43AA-8013-B0E760078A3E}"/>
+          </ac:spMkLst>
+        </pc:spChg>
+        <pc:spChg chg="mod">
+          <ac:chgData name=" " userId="70a91d7c-552d-4ba4-843a-f2e0c9434182" providerId="ADAL" clId="{231D8092-3FB3-42A8-9327-0E3893C0A85B}" dt="2019-12-19T13:50:09.451" v="708" actId="1076"/>
           <ac:spMkLst>
             <pc:docMk/>
             <pc:sldMk cId="1758009646" sldId="259"/>
@@ -1049,23 +1121,71 @@
           </ac:spMkLst>
         </pc:spChg>
         <pc:spChg chg="add mod">
-          <ac:chgData name=" " userId="70a91d7c-552d-4ba4-843a-f2e0c9434182" providerId="ADAL" clId="{231D8092-3FB3-42A8-9327-0E3893C0A85B}" dt="2019-12-09T07:38:45.626" v="516" actId="1076"/>
+          <ac:chgData name=" " userId="70a91d7c-552d-4ba4-843a-f2e0c9434182" providerId="ADAL" clId="{231D8092-3FB3-42A8-9327-0E3893C0A85B}" dt="2019-12-19T13:49:56.990" v="706" actId="1076"/>
           <ac:spMkLst>
             <pc:docMk/>
             <pc:sldMk cId="1758009646" sldId="259"/>
             <ac:spMk id="63" creationId="{BE0B0F7B-1D5E-461D-8FE3-4E83608DBD08}"/>
           </ac:spMkLst>
         </pc:spChg>
+        <pc:grpChg chg="mod">
+          <ac:chgData name=" " userId="70a91d7c-552d-4ba4-843a-f2e0c9434182" providerId="ADAL" clId="{231D8092-3FB3-42A8-9327-0E3893C0A85B}" dt="2019-12-19T13:49:56.990" v="706" actId="1076"/>
+          <ac:grpSpMkLst>
+            <pc:docMk/>
+            <pc:sldMk cId="1758009646" sldId="259"/>
+            <ac:grpSpMk id="19" creationId="{BD3D2BBD-6FD0-4255-8133-0D835060DF50}"/>
+          </ac:grpSpMkLst>
+        </pc:grpChg>
+        <pc:grpChg chg="mod">
+          <ac:chgData name=" " userId="70a91d7c-552d-4ba4-843a-f2e0c9434182" providerId="ADAL" clId="{231D8092-3FB3-42A8-9327-0E3893C0A85B}" dt="2019-12-19T13:49:56.990" v="706" actId="1076"/>
+          <ac:grpSpMkLst>
+            <pc:docMk/>
+            <pc:sldMk cId="1758009646" sldId="259"/>
+            <ac:grpSpMk id="44" creationId="{72A093FA-C50F-4C4C-9C29-115361B82BF2}"/>
+          </ac:grpSpMkLst>
+        </pc:grpChg>
         <pc:grpChg chg="add mod">
-          <ac:chgData name=" " userId="70a91d7c-552d-4ba4-843a-f2e0c9434182" providerId="ADAL" clId="{231D8092-3FB3-42A8-9327-0E3893C0A85B}" dt="2019-12-09T07:38:38.546" v="514" actId="1076"/>
+          <ac:chgData name=" " userId="70a91d7c-552d-4ba4-843a-f2e0c9434182" providerId="ADAL" clId="{231D8092-3FB3-42A8-9327-0E3893C0A85B}" dt="2019-12-19T13:49:56.990" v="706" actId="1076"/>
           <ac:grpSpMkLst>
             <pc:docMk/>
             <pc:sldMk cId="1758009646" sldId="259"/>
             <ac:grpSpMk id="46" creationId="{8D14AEA8-5FB9-4BF7-BB47-F0AA5DCD4E37}"/>
           </ac:grpSpMkLst>
         </pc:grpChg>
+        <pc:grpChg chg="mod">
+          <ac:chgData name=" " userId="70a91d7c-552d-4ba4-843a-f2e0c9434182" providerId="ADAL" clId="{231D8092-3FB3-42A8-9327-0E3893C0A85B}" dt="2019-12-19T13:49:56.990" v="706" actId="1076"/>
+          <ac:grpSpMkLst>
+            <pc:docMk/>
+            <pc:sldMk cId="1758009646" sldId="259"/>
+            <ac:grpSpMk id="53" creationId="{771A2C17-3CEF-4DA7-A91E-BF0DB2DF0538}"/>
+          </ac:grpSpMkLst>
+        </pc:grpChg>
+        <pc:grpChg chg="mod">
+          <ac:chgData name=" " userId="70a91d7c-552d-4ba4-843a-f2e0c9434182" providerId="ADAL" clId="{231D8092-3FB3-42A8-9327-0E3893C0A85B}" dt="2019-12-19T13:49:56.990" v="706" actId="1076"/>
+          <ac:grpSpMkLst>
+            <pc:docMk/>
+            <pc:sldMk cId="1758009646" sldId="259"/>
+            <ac:grpSpMk id="56" creationId="{7688C2FA-2465-4A83-B6C0-236F959310D1}"/>
+          </ac:grpSpMkLst>
+        </pc:grpChg>
+        <pc:grpChg chg="mod">
+          <ac:chgData name=" " userId="70a91d7c-552d-4ba4-843a-f2e0c9434182" providerId="ADAL" clId="{231D8092-3FB3-42A8-9327-0E3893C0A85B}" dt="2019-12-19T13:49:56.990" v="706" actId="1076"/>
+          <ac:grpSpMkLst>
+            <pc:docMk/>
+            <pc:sldMk cId="1758009646" sldId="259"/>
+            <ac:grpSpMk id="69" creationId="{308D5ECE-CAED-4F6D-A037-1B55E5A83DD7}"/>
+          </ac:grpSpMkLst>
+        </pc:grpChg>
+        <pc:grpChg chg="mod">
+          <ac:chgData name=" " userId="70a91d7c-552d-4ba4-843a-f2e0c9434182" providerId="ADAL" clId="{231D8092-3FB3-42A8-9327-0E3893C0A85B}" dt="2019-12-19T13:49:56.990" v="706" actId="1076"/>
+          <ac:grpSpMkLst>
+            <pc:docMk/>
+            <pc:sldMk cId="1758009646" sldId="259"/>
+            <ac:grpSpMk id="73" creationId="{DB6688FD-57F6-45D2-BD9F-F81850D55018}"/>
+          </ac:grpSpMkLst>
+        </pc:grpChg>
         <pc:picChg chg="add mod">
-          <ac:chgData name=" " userId="70a91d7c-552d-4ba4-843a-f2e0c9434182" providerId="ADAL" clId="{231D8092-3FB3-42A8-9327-0E3893C0A85B}" dt="2019-12-09T07:44:07.418" v="530" actId="1076"/>
+          <ac:chgData name=" " userId="70a91d7c-552d-4ba4-843a-f2e0c9434182" providerId="ADAL" clId="{231D8092-3FB3-42A8-9327-0E3893C0A85B}" dt="2019-12-19T13:49:56.990" v="706" actId="1076"/>
           <ac:picMkLst>
             <pc:docMk/>
             <pc:sldMk cId="1758009646" sldId="259"/>
@@ -1073,7 +1193,7 @@
           </ac:picMkLst>
         </pc:picChg>
         <pc:picChg chg="mod">
-          <ac:chgData name=" " userId="70a91d7c-552d-4ba4-843a-f2e0c9434182" providerId="ADAL" clId="{231D8092-3FB3-42A8-9327-0E3893C0A85B}" dt="2019-12-09T07:38:10.705" v="504" actId="1076"/>
+          <ac:chgData name=" " userId="70a91d7c-552d-4ba4-843a-f2e0c9434182" providerId="ADAL" clId="{231D8092-3FB3-42A8-9327-0E3893C0A85B}" dt="2019-12-19T13:49:56.990" v="706" actId="1076"/>
           <ac:picMkLst>
             <pc:docMk/>
             <pc:sldMk cId="1758009646" sldId="259"/>
@@ -1081,7 +1201,7 @@
           </ac:picMkLst>
         </pc:picChg>
         <pc:picChg chg="add mod">
-          <ac:chgData name=" " userId="70a91d7c-552d-4ba4-843a-f2e0c9434182" providerId="ADAL" clId="{231D8092-3FB3-42A8-9327-0E3893C0A85B}" dt="2019-12-09T07:44:03.481" v="529" actId="1076"/>
+          <ac:chgData name=" " userId="70a91d7c-552d-4ba4-843a-f2e0c9434182" providerId="ADAL" clId="{231D8092-3FB3-42A8-9327-0E3893C0A85B}" dt="2019-12-19T13:49:56.990" v="706" actId="1076"/>
           <ac:picMkLst>
             <pc:docMk/>
             <pc:sldMk cId="1758009646" sldId="259"/>
@@ -1089,15 +1209,23 @@
           </ac:picMkLst>
         </pc:picChg>
         <pc:picChg chg="mod">
-          <ac:chgData name=" " userId="70a91d7c-552d-4ba4-843a-f2e0c9434182" providerId="ADAL" clId="{231D8092-3FB3-42A8-9327-0E3893C0A85B}" dt="2019-12-09T07:38:06.127" v="502" actId="1076"/>
+          <ac:chgData name=" " userId="70a91d7c-552d-4ba4-843a-f2e0c9434182" providerId="ADAL" clId="{231D8092-3FB3-42A8-9327-0E3893C0A85B}" dt="2019-12-19T13:49:56.990" v="706" actId="1076"/>
           <ac:picMkLst>
             <pc:docMk/>
             <pc:sldMk cId="1758009646" sldId="259"/>
             <ac:picMk id="16" creationId="{2A495A89-7A05-4BFE-8567-79BF9B8DB861}"/>
           </ac:picMkLst>
         </pc:picChg>
+        <pc:picChg chg="mod">
+          <ac:chgData name=" " userId="70a91d7c-552d-4ba4-843a-f2e0c9434182" providerId="ADAL" clId="{231D8092-3FB3-42A8-9327-0E3893C0A85B}" dt="2019-12-19T13:49:56.990" v="706" actId="1076"/>
+          <ac:picMkLst>
+            <pc:docMk/>
+            <pc:sldMk cId="1758009646" sldId="259"/>
+            <ac:picMk id="21" creationId="{AE157C31-7400-48BB-8AAD-014FDA4C9F6E}"/>
+          </ac:picMkLst>
+        </pc:picChg>
         <pc:picChg chg="add mod">
-          <ac:chgData name=" " userId="70a91d7c-552d-4ba4-843a-f2e0c9434182" providerId="ADAL" clId="{231D8092-3FB3-42A8-9327-0E3893C0A85B}" dt="2019-12-09T07:43:58.330" v="528" actId="1076"/>
+          <ac:chgData name=" " userId="70a91d7c-552d-4ba4-843a-f2e0c9434182" providerId="ADAL" clId="{231D8092-3FB3-42A8-9327-0E3893C0A85B}" dt="2019-12-19T13:49:56.990" v="706" actId="1076"/>
           <ac:picMkLst>
             <pc:docMk/>
             <pc:sldMk cId="1758009646" sldId="259"/>
@@ -1105,7 +1233,7 @@
           </ac:picMkLst>
         </pc:picChg>
         <pc:picChg chg="add mod">
-          <ac:chgData name=" " userId="70a91d7c-552d-4ba4-843a-f2e0c9434182" providerId="ADAL" clId="{231D8092-3FB3-42A8-9327-0E3893C0A85B}" dt="2019-12-09T07:43:55.745" v="527" actId="1076"/>
+          <ac:chgData name=" " userId="70a91d7c-552d-4ba4-843a-f2e0c9434182" providerId="ADAL" clId="{231D8092-3FB3-42A8-9327-0E3893C0A85B}" dt="2019-12-19T13:49:56.990" v="706" actId="1076"/>
           <ac:picMkLst>
             <pc:docMk/>
             <pc:sldMk cId="1758009646" sldId="259"/>
@@ -1265,7 +1393,7 @@
           <a:p>
             <a:fld id="{6E559CA2-2E26-4D7E-A7C2-96A8D3378C51}" type="datetimeFigureOut">
               <a:rPr lang="en-US" smtClean="0"/>
-              <a:t>12/9/2019</a:t>
+              <a:t>12/19/2019</a:t>
             </a:fld>
             <a:endParaRPr lang="en-US"/>
           </a:p>
@@ -1463,7 +1591,7 @@
           <a:p>
             <a:fld id="{6E559CA2-2E26-4D7E-A7C2-96A8D3378C51}" type="datetimeFigureOut">
               <a:rPr lang="en-US" smtClean="0"/>
-              <a:t>12/9/2019</a:t>
+              <a:t>12/19/2019</a:t>
             </a:fld>
             <a:endParaRPr lang="en-US"/>
           </a:p>
@@ -1671,7 +1799,7 @@
           <a:p>
             <a:fld id="{6E559CA2-2E26-4D7E-A7C2-96A8D3378C51}" type="datetimeFigureOut">
               <a:rPr lang="en-US" smtClean="0"/>
-              <a:t>12/9/2019</a:t>
+              <a:t>12/19/2019</a:t>
             </a:fld>
             <a:endParaRPr lang="en-US"/>
           </a:p>
@@ -1869,7 +1997,7 @@
           <a:p>
             <a:fld id="{6E559CA2-2E26-4D7E-A7C2-96A8D3378C51}" type="datetimeFigureOut">
               <a:rPr lang="en-US" smtClean="0"/>
-              <a:t>12/9/2019</a:t>
+              <a:t>12/19/2019</a:t>
             </a:fld>
             <a:endParaRPr lang="en-US"/>
           </a:p>
@@ -2144,7 +2272,7 @@
           <a:p>
             <a:fld id="{6E559CA2-2E26-4D7E-A7C2-96A8D3378C51}" type="datetimeFigureOut">
               <a:rPr lang="en-US" smtClean="0"/>
-              <a:t>12/9/2019</a:t>
+              <a:t>12/19/2019</a:t>
             </a:fld>
             <a:endParaRPr lang="en-US"/>
           </a:p>
@@ -2409,7 +2537,7 @@
           <a:p>
             <a:fld id="{6E559CA2-2E26-4D7E-A7C2-96A8D3378C51}" type="datetimeFigureOut">
               <a:rPr lang="en-US" smtClean="0"/>
-              <a:t>12/9/2019</a:t>
+              <a:t>12/19/2019</a:t>
             </a:fld>
             <a:endParaRPr lang="en-US"/>
           </a:p>
@@ -2821,7 +2949,7 @@
           <a:p>
             <a:fld id="{6E559CA2-2E26-4D7E-A7C2-96A8D3378C51}" type="datetimeFigureOut">
               <a:rPr lang="en-US" smtClean="0"/>
-              <a:t>12/9/2019</a:t>
+              <a:t>12/19/2019</a:t>
             </a:fld>
             <a:endParaRPr lang="en-US"/>
           </a:p>
@@ -2962,7 +3090,7 @@
           <a:p>
             <a:fld id="{6E559CA2-2E26-4D7E-A7C2-96A8D3378C51}" type="datetimeFigureOut">
               <a:rPr lang="en-US" smtClean="0"/>
-              <a:t>12/9/2019</a:t>
+              <a:t>12/19/2019</a:t>
             </a:fld>
             <a:endParaRPr lang="en-US"/>
           </a:p>
@@ -3075,7 +3203,7 @@
           <a:p>
             <a:fld id="{6E559CA2-2E26-4D7E-A7C2-96A8D3378C51}" type="datetimeFigureOut">
               <a:rPr lang="en-US" smtClean="0"/>
-              <a:t>12/9/2019</a:t>
+              <a:t>12/19/2019</a:t>
             </a:fld>
             <a:endParaRPr lang="en-US"/>
           </a:p>
@@ -3386,7 +3514,7 @@
           <a:p>
             <a:fld id="{6E559CA2-2E26-4D7E-A7C2-96A8D3378C51}" type="datetimeFigureOut">
               <a:rPr lang="en-US" smtClean="0"/>
-              <a:t>12/9/2019</a:t>
+              <a:t>12/19/2019</a:t>
             </a:fld>
             <a:endParaRPr lang="en-US"/>
           </a:p>
@@ -3674,7 +3802,7 @@
           <a:p>
             <a:fld id="{6E559CA2-2E26-4D7E-A7C2-96A8D3378C51}" type="datetimeFigureOut">
               <a:rPr lang="en-US" smtClean="0"/>
-              <a:t>12/9/2019</a:t>
+              <a:t>12/19/2019</a:t>
             </a:fld>
             <a:endParaRPr lang="en-US"/>
           </a:p>
@@ -3915,7 +4043,7 @@
           <a:p>
             <a:fld id="{6E559CA2-2E26-4D7E-A7C2-96A8D3378C51}" type="datetimeFigureOut">
               <a:rPr lang="en-US" smtClean="0"/>
-              <a:t>12/9/2019</a:t>
+              <a:t>12/19/2019</a:t>
             </a:fld>
             <a:endParaRPr lang="en-US"/>
           </a:p>
@@ -8327,7 +8455,7 @@
         </p:nvSpPr>
         <p:spPr>
           <a:xfrm>
-            <a:off x="1907703" y="593734"/>
+            <a:off x="2461618" y="875088"/>
             <a:ext cx="4290874" cy="1729483"/>
           </a:xfrm>
           <a:prstGeom prst="rect">
@@ -8372,7 +8500,7 @@
         </p:nvSpPr>
         <p:spPr>
           <a:xfrm>
-            <a:off x="3517973" y="188224"/>
+            <a:off x="2376417" y="505756"/>
             <a:ext cx="1070334" cy="369332"/>
           </a:xfrm>
           <a:prstGeom prst="rect">
@@ -8425,7 +8553,7 @@
         </p:blipFill>
         <p:spPr>
           <a:xfrm>
-            <a:off x="1935548" y="569266"/>
+            <a:off x="2489463" y="850620"/>
             <a:ext cx="642593" cy="642593"/>
           </a:xfrm>
           <a:prstGeom prst="rect">
@@ -8447,7 +8575,7 @@
         </p:nvGrpSpPr>
         <p:grpSpPr>
           <a:xfrm>
-            <a:off x="2825578" y="1451311"/>
+            <a:off x="3379493" y="1732665"/>
             <a:ext cx="837950" cy="814194"/>
             <a:chOff x="2858438" y="1303870"/>
             <a:chExt cx="973968" cy="961635"/>
@@ -8612,7 +8740,7 @@
         </p:blipFill>
         <p:spPr>
           <a:xfrm>
-            <a:off x="2893724" y="617961"/>
+            <a:off x="3447639" y="899315"/>
             <a:ext cx="559405" cy="559405"/>
           </a:xfrm>
           <a:prstGeom prst="rect">
@@ -8634,7 +8762,7 @@
         </p:nvSpPr>
         <p:spPr>
           <a:xfrm>
-            <a:off x="3049452" y="1124753"/>
+            <a:off x="3603367" y="1406107"/>
             <a:ext cx="288198" cy="354161"/>
           </a:xfrm>
           <a:prstGeom prst="downArrow">
@@ -8680,7 +8808,7 @@
         </p:nvSpPr>
         <p:spPr>
           <a:xfrm rot="16200000">
-            <a:off x="2571656" y="732694"/>
+            <a:off x="3125571" y="1014048"/>
             <a:ext cx="288198" cy="354161"/>
           </a:xfrm>
           <a:prstGeom prst="downArrow">
@@ -8726,7 +8854,7 @@
         </p:nvSpPr>
         <p:spPr>
           <a:xfrm>
-            <a:off x="4771674" y="3147585"/>
+            <a:off x="5325589" y="3428939"/>
             <a:ext cx="3538163" cy="895055"/>
           </a:xfrm>
           <a:prstGeom prst="rect">
@@ -8771,7 +8899,7 @@
         </p:nvSpPr>
         <p:spPr>
           <a:xfrm>
-            <a:off x="1554708" y="1442223"/>
+            <a:off x="2108623" y="1723577"/>
             <a:ext cx="431438" cy="269688"/>
           </a:xfrm>
           <a:prstGeom prst="rightArrow">
@@ -8817,7 +8945,7 @@
         </p:nvGrpSpPr>
         <p:grpSpPr>
           <a:xfrm>
-            <a:off x="543568" y="686184"/>
+            <a:off x="1097483" y="967538"/>
             <a:ext cx="1211877" cy="1334636"/>
             <a:chOff x="543568" y="686184"/>
             <a:chExt cx="1211877" cy="1334636"/>
@@ -9040,7 +9168,7 @@
         </p:nvSpPr>
         <p:spPr>
           <a:xfrm>
-            <a:off x="4667388" y="2787455"/>
+            <a:off x="5221303" y="3068809"/>
             <a:ext cx="3018690" cy="369332"/>
           </a:xfrm>
           <a:prstGeom prst="rect">
@@ -9087,7 +9215,7 @@
         </p:nvSpPr>
         <p:spPr>
           <a:xfrm>
-            <a:off x="4666893" y="4331758"/>
+            <a:off x="5220808" y="4613112"/>
             <a:ext cx="2602523" cy="369332"/>
           </a:xfrm>
           <a:prstGeom prst="rect">
@@ -9130,7 +9258,7 @@
         </p:nvSpPr>
         <p:spPr>
           <a:xfrm rot="5400000">
-            <a:off x="2922587" y="2520522"/>
+            <a:off x="3476502" y="2801876"/>
             <a:ext cx="548096" cy="484769"/>
           </a:xfrm>
           <a:prstGeom prst="rightArrow">
@@ -9176,7 +9304,7 @@
         </p:nvSpPr>
         <p:spPr>
           <a:xfrm>
-            <a:off x="3992917" y="3411192"/>
+            <a:off x="4546832" y="3692546"/>
             <a:ext cx="706865" cy="390734"/>
           </a:xfrm>
           <a:prstGeom prst="leftRightArrow">
@@ -9239,7 +9367,7 @@
         </p:blipFill>
         <p:spPr>
           <a:xfrm>
-            <a:off x="4908904" y="3110238"/>
+            <a:off x="5462819" y="3391592"/>
             <a:ext cx="613949" cy="613949"/>
           </a:xfrm>
           <a:prstGeom prst="rect">
@@ -9261,7 +9389,7 @@
         </p:nvGrpSpPr>
         <p:grpSpPr>
           <a:xfrm>
-            <a:off x="5768036" y="3199043"/>
+            <a:off x="6321951" y="3480397"/>
             <a:ext cx="2441867" cy="683502"/>
             <a:chOff x="6894681" y="1610813"/>
             <a:chExt cx="2441867" cy="683502"/>
@@ -9433,7 +9561,7 @@
         </p:nvSpPr>
         <p:spPr>
           <a:xfrm>
-            <a:off x="4771674" y="4650211"/>
+            <a:off x="5325589" y="4931565"/>
             <a:ext cx="3538163" cy="983152"/>
           </a:xfrm>
           <a:prstGeom prst="rect">
@@ -9478,7 +9606,7 @@
         </p:nvGrpSpPr>
         <p:grpSpPr>
           <a:xfrm>
-            <a:off x="4867979" y="4741526"/>
+            <a:off x="5421894" y="5022880"/>
             <a:ext cx="2441867" cy="683502"/>
             <a:chOff x="6894681" y="1610813"/>
             <a:chExt cx="2441867" cy="683502"/>
@@ -9650,7 +9778,7 @@
         </p:nvSpPr>
         <p:spPr>
           <a:xfrm rot="2702763">
-            <a:off x="3847524" y="4689280"/>
+            <a:off x="4401439" y="4970634"/>
             <a:ext cx="922353" cy="372910"/>
           </a:xfrm>
           <a:prstGeom prst="leftRightArrow">
@@ -9696,7 +9824,7 @@
         </p:nvSpPr>
         <p:spPr>
           <a:xfrm rot="16200000">
-            <a:off x="5494590" y="3234944"/>
+            <a:off x="6048505" y="3516298"/>
             <a:ext cx="301326" cy="364536"/>
           </a:xfrm>
           <a:prstGeom prst="downArrow">
@@ -9742,7 +9870,7 @@
         </p:nvGrpSpPr>
         <p:grpSpPr>
           <a:xfrm>
-            <a:off x="7747352" y="3675160"/>
+            <a:off x="8301267" y="3956514"/>
             <a:ext cx="1341242" cy="1426880"/>
             <a:chOff x="1874880" y="3212530"/>
             <a:chExt cx="1299141" cy="1299141"/>
@@ -9841,7 +9969,7 @@
         </p:nvSpPr>
         <p:spPr>
           <a:xfrm>
-            <a:off x="9074074" y="3570184"/>
+            <a:off x="9552997" y="4428446"/>
             <a:ext cx="1246012" cy="369332"/>
           </a:xfrm>
           <a:prstGeom prst="rect">
@@ -9876,7 +10004,7 @@
         </p:nvGrpSpPr>
         <p:grpSpPr>
           <a:xfrm>
-            <a:off x="2494920" y="3090349"/>
+            <a:off x="3048835" y="3371703"/>
             <a:ext cx="1422817" cy="1277130"/>
             <a:chOff x="791775" y="3359484"/>
             <a:chExt cx="1422817" cy="1277130"/>
@@ -10020,7 +10148,7 @@
         </p:nvGrpSpPr>
         <p:grpSpPr>
           <a:xfrm>
-            <a:off x="3768712" y="584253"/>
+            <a:off x="4322627" y="865607"/>
             <a:ext cx="837950" cy="814194"/>
             <a:chOff x="2858438" y="1303870"/>
             <a:chExt cx="973968" cy="961635"/>
@@ -10168,7 +10296,7 @@
         </p:nvSpPr>
         <p:spPr>
           <a:xfrm rot="16200000">
-            <a:off x="3476544" y="746565"/>
+            <a:off x="4030459" y="1027919"/>
             <a:ext cx="288198" cy="354161"/>
           </a:xfrm>
           <a:prstGeom prst="downArrow">
@@ -10214,7 +10342,7 @@
         </p:nvSpPr>
         <p:spPr>
           <a:xfrm rot="16200000">
-            <a:off x="4578578" y="784193"/>
+            <a:off x="5132493" y="1065547"/>
             <a:ext cx="288198" cy="354161"/>
           </a:xfrm>
           <a:prstGeom prst="downArrow">
@@ -10277,7 +10405,7 @@
         </p:blipFill>
         <p:spPr>
           <a:xfrm>
-            <a:off x="5559018" y="1267134"/>
+            <a:off x="6112933" y="1548488"/>
             <a:ext cx="530641" cy="530641"/>
           </a:xfrm>
           <a:prstGeom prst="rect">
@@ -10316,7 +10444,7 @@
         </p:blipFill>
         <p:spPr>
           <a:xfrm>
-            <a:off x="5550808" y="679649"/>
+            <a:off x="6104723" y="961003"/>
             <a:ext cx="530641" cy="530641"/>
           </a:xfrm>
           <a:prstGeom prst="rect">
@@ -10355,7 +10483,7 @@
         </p:blipFill>
         <p:spPr>
           <a:xfrm>
-            <a:off x="5031490" y="1241493"/>
+            <a:off x="5585405" y="1522847"/>
             <a:ext cx="530641" cy="530641"/>
           </a:xfrm>
           <a:prstGeom prst="rect">
@@ -10394,7 +10522,7 @@
         </p:blipFill>
         <p:spPr>
           <a:xfrm>
-            <a:off x="5028377" y="675468"/>
+            <a:off x="5582292" y="956822"/>
             <a:ext cx="530641" cy="530641"/>
           </a:xfrm>
           <a:prstGeom prst="rect">
@@ -10416,7 +10544,7 @@
         </p:nvSpPr>
         <p:spPr>
           <a:xfrm>
-            <a:off x="5252421" y="1748049"/>
+            <a:off x="5806336" y="2029403"/>
             <a:ext cx="699165" cy="276999"/>
           </a:xfrm>
           <a:prstGeom prst="rect">
@@ -10746,6 +10874,15 @@
 </file>
 
 <file path=customXml/item1.xml><?xml version="1.0" encoding="utf-8"?>
+<?mso-contentType ?>
+<FormTemplates xmlns="http://schemas.microsoft.com/sharepoint/v3/contenttype/forms">
+  <Display>DocumentLibraryForm</Display>
+  <Edit>DocumentLibraryForm</Edit>
+  <New>DocumentLibraryForm</New>
+</FormTemplates>
+</file>
+
+<file path=customXml/item2.xml><?xml version="1.0" encoding="utf-8"?>
 <ct:contentTypeSchema xmlns:ct="http://schemas.microsoft.com/office/2006/metadata/contentType" xmlns:ma="http://schemas.microsoft.com/office/2006/metadata/properties/metaAttributes" ct:_="" ma:_="" ma:contentTypeName="Document" ma:contentTypeID="0x0101008DFD7C148267BB4683B6AD6FD035EBA5" ma:contentTypeVersion="10" ma:contentTypeDescription="Create a new document." ma:contentTypeScope="" ma:versionID="3575e938db2cfaeb82f8ce14c415e09e">
   <xsd:schema xmlns:xsd="http://www.w3.org/2001/XMLSchema" xmlns:xs="http://www.w3.org/2001/XMLSchema" xmlns:p="http://schemas.microsoft.com/office/2006/metadata/properties" xmlns:ns3="63b3769b-4ff8-48f0-85bd-7bc3c13bb464" xmlns:ns4="862326ec-ab7b-40dc-9ac3-4374eb8cd115" targetNamespace="http://schemas.microsoft.com/office/2006/metadata/properties" ma:root="true" ma:fieldsID="bc662798baa2373b758ac1059459b48d" ns3:_="" ns4:_="">
     <xsd:import namespace="63b3769b-4ff8-48f0-85bd-7bc3c13bb464"/>
@@ -10948,15 +11085,6 @@
 </ct:contentTypeSchema>
 </file>
 
-<file path=customXml/item2.xml><?xml version="1.0" encoding="utf-8"?>
-<?mso-contentType ?>
-<FormTemplates xmlns="http://schemas.microsoft.com/sharepoint/v3/contenttype/forms">
-  <Display>DocumentLibraryForm</Display>
-  <Edit>DocumentLibraryForm</Edit>
-  <New>DocumentLibraryForm</New>
-</FormTemplates>
-</file>
-
 <file path=customXml/item3.xml><?xml version="1.0" encoding="utf-8"?>
 <p:properties xmlns:p="http://schemas.microsoft.com/office/2006/metadata/properties" xmlns:xsi="http://www.w3.org/2001/XMLSchema-instance" xmlns:pc="http://schemas.microsoft.com/office/infopath/2007/PartnerControls">
   <documentManagement/>
@@ -10964,6 +11092,14 @@
 </file>
 
 <file path=customXml/itemProps1.xml><?xml version="1.0" encoding="utf-8"?>
+<ds:datastoreItem xmlns:ds="http://schemas.openxmlformats.org/officeDocument/2006/customXml" ds:itemID="{A2359978-F3A7-4876-B04F-9E168A8AC155}">
+  <ds:schemaRefs>
+    <ds:schemaRef ds:uri="http://schemas.microsoft.com/sharepoint/v3/contenttype/forms"/>
+  </ds:schemaRefs>
+</ds:datastoreItem>
+</file>
+
+<file path=customXml/itemProps2.xml><?xml version="1.0" encoding="utf-8"?>
 <ds:datastoreItem xmlns:ds="http://schemas.openxmlformats.org/officeDocument/2006/customXml" ds:itemID="{39E586BA-3741-4379-ADAB-FB176D91516B}">
   <ds:schemaRefs>
     <ds:schemaRef ds:uri="http://schemas.microsoft.com/office/2006/metadata/contentType"/>
@@ -10982,14 +11118,6 @@
 </ds:datastoreItem>
 </file>
 
-<file path=customXml/itemProps2.xml><?xml version="1.0" encoding="utf-8"?>
-<ds:datastoreItem xmlns:ds="http://schemas.openxmlformats.org/officeDocument/2006/customXml" ds:itemID="{A2359978-F3A7-4876-B04F-9E168A8AC155}">
-  <ds:schemaRefs>
-    <ds:schemaRef ds:uri="http://schemas.microsoft.com/sharepoint/v3/contenttype/forms"/>
-  </ds:schemaRefs>
-</ds:datastoreItem>
-</file>
-
 <file path=customXml/itemProps3.xml><?xml version="1.0" encoding="utf-8"?>
 <ds:datastoreItem xmlns:ds="http://schemas.openxmlformats.org/officeDocument/2006/customXml" ds:itemID="{EC6B461A-BBE2-4745-93A8-25EC60002572}">
   <ds:schemaRefs>
